--- a/Croquis ICTA..pptx
+++ b/Croquis ICTA..pptx
@@ -112,6 +112,11 @@
       </a:defRPr>
     </a:lvl9pPr>
   </p:defaultTextStyle>
+  <p:extLst>
+    <p:ext uri="{EFAFB233-063F-42B5-8137-9DF3F51BA10A}">
+      <p15:sldGuideLst xmlns:p15="http://schemas.microsoft.com/office/powerpoint/2012/main"/>
+    </p:ext>
+  </p:extLst>
 </p:presentation>
 </file>
 
@@ -5986,6 +5991,674 @@
   <p:clrMapOvr>
     <a:masterClrMapping/>
   </p:clrMapOvr>
+  <p:transition spd="slow">
+    <p:wipe/>
+  </p:transition>
+  <p:timing>
+    <p:tnLst>
+      <p:par>
+        <p:cTn id="1" dur="indefinite" restart="never" nodeType="tmRoot">
+          <p:childTnLst>
+            <p:seq concurrent="1" nextAc="seek">
+              <p:cTn id="2" dur="indefinite" nodeType="mainSeq">
+                <p:childTnLst>
+                  <p:par>
+                    <p:cTn id="3" fill="hold">
+                      <p:stCondLst>
+                        <p:cond delay="indefinite"/>
+                      </p:stCondLst>
+                      <p:childTnLst>
+                        <p:par>
+                          <p:cTn id="4" fill="hold">
+                            <p:stCondLst>
+                              <p:cond delay="0"/>
+                            </p:stCondLst>
+                            <p:childTnLst>
+                              <p:par>
+                                <p:cTn id="5" presetID="2" presetClass="entr" presetSubtype="4" fill="hold" grpId="0" nodeType="clickEffect">
+                                  <p:stCondLst>
+                                    <p:cond delay="0"/>
+                                  </p:stCondLst>
+                                  <p:childTnLst>
+                                    <p:set>
+                                      <p:cBhvr>
+                                        <p:cTn id="6" dur="1" fill="hold">
+                                          <p:stCondLst>
+                                            <p:cond delay="0"/>
+                                          </p:stCondLst>
+                                        </p:cTn>
+                                        <p:tgtEl>
+                                          <p:spTgt spid="2"/>
+                                        </p:tgtEl>
+                                        <p:attrNameLst>
+                                          <p:attrName>style.visibility</p:attrName>
+                                        </p:attrNameLst>
+                                      </p:cBhvr>
+                                      <p:to>
+                                        <p:strVal val="visible"/>
+                                      </p:to>
+                                    </p:set>
+                                    <p:anim calcmode="lin" valueType="num">
+                                      <p:cBhvr additive="base">
+                                        <p:cTn id="7" dur="500" fill="hold"/>
+                                        <p:tgtEl>
+                                          <p:spTgt spid="2"/>
+                                        </p:tgtEl>
+                                        <p:attrNameLst>
+                                          <p:attrName>ppt_x</p:attrName>
+                                        </p:attrNameLst>
+                                      </p:cBhvr>
+                                      <p:tavLst>
+                                        <p:tav tm="0">
+                                          <p:val>
+                                            <p:strVal val="#ppt_x"/>
+                                          </p:val>
+                                        </p:tav>
+                                        <p:tav tm="100000">
+                                          <p:val>
+                                            <p:strVal val="#ppt_x"/>
+                                          </p:val>
+                                        </p:tav>
+                                      </p:tavLst>
+                                    </p:anim>
+                                    <p:anim calcmode="lin" valueType="num">
+                                      <p:cBhvr additive="base">
+                                        <p:cTn id="8" dur="500" fill="hold"/>
+                                        <p:tgtEl>
+                                          <p:spTgt spid="2"/>
+                                        </p:tgtEl>
+                                        <p:attrNameLst>
+                                          <p:attrName>ppt_y</p:attrName>
+                                        </p:attrNameLst>
+                                      </p:cBhvr>
+                                      <p:tavLst>
+                                        <p:tav tm="0">
+                                          <p:val>
+                                            <p:strVal val="1+#ppt_h/2"/>
+                                          </p:val>
+                                        </p:tav>
+                                        <p:tav tm="100000">
+                                          <p:val>
+                                            <p:strVal val="#ppt_y"/>
+                                          </p:val>
+                                        </p:tav>
+                                      </p:tavLst>
+                                    </p:anim>
+                                  </p:childTnLst>
+                                </p:cTn>
+                              </p:par>
+                            </p:childTnLst>
+                          </p:cTn>
+                        </p:par>
+                      </p:childTnLst>
+                    </p:cTn>
+                  </p:par>
+                  <p:par>
+                    <p:cTn id="9" fill="hold">
+                      <p:stCondLst>
+                        <p:cond delay="indefinite"/>
+                      </p:stCondLst>
+                      <p:childTnLst>
+                        <p:par>
+                          <p:cTn id="10" fill="hold">
+                            <p:stCondLst>
+                              <p:cond delay="0"/>
+                            </p:stCondLst>
+                            <p:childTnLst>
+                              <p:par>
+                                <p:cTn id="11" presetID="26" presetClass="exit" presetSubtype="0" fill="hold" grpId="0" nodeType="clickEffect">
+                                  <p:stCondLst>
+                                    <p:cond delay="0"/>
+                                  </p:stCondLst>
+                                  <p:childTnLst>
+                                    <p:animEffect transition="out" filter="wipe(down)">
+                                      <p:cBhvr>
+                                        <p:cTn id="12" dur="180" accel="50000">
+                                          <p:stCondLst>
+                                            <p:cond delay="1820"/>
+                                          </p:stCondLst>
+                                        </p:cTn>
+                                        <p:tgtEl>
+                                          <p:spTgt spid="4"/>
+                                        </p:tgtEl>
+                                      </p:cBhvr>
+                                    </p:animEffect>
+                                    <p:anim calcmode="lin" valueType="num">
+                                      <p:cBhvr>
+                                        <p:cTn id="13" dur="1822" tmFilter="0,0; 0.14,0.31; 0.43,0.73; 0.71,0.91; 1.0,1.0">
+                                          <p:stCondLst>
+                                            <p:cond delay="0"/>
+                                          </p:stCondLst>
+                                        </p:cTn>
+                                        <p:tgtEl>
+                                          <p:spTgt spid="4"/>
+                                        </p:tgtEl>
+                                        <p:attrNameLst>
+                                          <p:attrName>ppt_x</p:attrName>
+                                        </p:attrNameLst>
+                                      </p:cBhvr>
+                                      <p:tavLst>
+                                        <p:tav tm="0">
+                                          <p:val>
+                                            <p:strVal val="ppt_x"/>
+                                          </p:val>
+                                        </p:tav>
+                                        <p:tav tm="100000">
+                                          <p:val>
+                                            <p:strVal val="#ppt_x+0.25"/>
+                                          </p:val>
+                                        </p:tav>
+                                      </p:tavLst>
+                                    </p:anim>
+                                    <p:anim calcmode="lin" valueType="num">
+                                      <p:cBhvr>
+                                        <p:cTn id="14" dur="178">
+                                          <p:stCondLst>
+                                            <p:cond delay="1822"/>
+                                          </p:stCondLst>
+                                        </p:cTn>
+                                        <p:tgtEl>
+                                          <p:spTgt spid="4"/>
+                                        </p:tgtEl>
+                                        <p:attrNameLst>
+                                          <p:attrName>ppt_x</p:attrName>
+                                        </p:attrNameLst>
+                                      </p:cBhvr>
+                                      <p:tavLst>
+                                        <p:tav tm="0">
+                                          <p:val>
+                                            <p:strVal val="ppt_x"/>
+                                          </p:val>
+                                        </p:tav>
+                                        <p:tav tm="100000">
+                                          <p:val>
+                                            <p:strVal val="ppt_x"/>
+                                          </p:val>
+                                        </p:tav>
+                                      </p:tavLst>
+                                    </p:anim>
+                                    <p:anim calcmode="lin" valueType="num">
+                                      <p:cBhvr>
+                                        <p:cTn id="15" dur="664" tmFilter="0.0,0.0;0.25,0.07;0.50,0.2;0.75,0.467;1.0,1.0">
+                                          <p:stCondLst>
+                                            <p:cond delay="0"/>
+                                          </p:stCondLst>
+                                        </p:cTn>
+                                        <p:tgtEl>
+                                          <p:spTgt spid="4"/>
+                                        </p:tgtEl>
+                                        <p:attrNameLst>
+                                          <p:attrName>ppt_y</p:attrName>
+                                        </p:attrNameLst>
+                                      </p:cBhvr>
+                                      <p:tavLst>
+                                        <p:tav tm="0">
+                                          <p:val>
+                                            <p:strVal val="ppt_y"/>
+                                          </p:val>
+                                        </p:tav>
+                                        <p:tav tm="5000">
+                                          <p:val>
+                                            <p:strVal val="ppt_y+0.026"/>
+                                          </p:val>
+                                        </p:tav>
+                                        <p:tav tm="10000">
+                                          <p:val>
+                                            <p:strVal val="ppt_y+0.052"/>
+                                          </p:val>
+                                        </p:tav>
+                                        <p:tav tm="15000">
+                                          <p:val>
+                                            <p:strVal val="ppt_y+0.078"/>
+                                          </p:val>
+                                        </p:tav>
+                                        <p:tav tm="20000">
+                                          <p:val>
+                                            <p:strVal val="ppt_y+0.103"/>
+                                          </p:val>
+                                        </p:tav>
+                                        <p:tav tm="30000">
+                                          <p:val>
+                                            <p:strVal val="ppt_y+0.151"/>
+                                          </p:val>
+                                        </p:tav>
+                                        <p:tav tm="40000">
+                                          <p:val>
+                                            <p:strVal val="ppt_y+0.196"/>
+                                          </p:val>
+                                        </p:tav>
+                                        <p:tav tm="50000">
+                                          <p:val>
+                                            <p:strVal val="ppt_y+0.236"/>
+                                          </p:val>
+                                        </p:tav>
+                                        <p:tav tm="60000">
+                                          <p:val>
+                                            <p:strVal val="ppt_y+0.270"/>
+                                          </p:val>
+                                        </p:tav>
+                                        <p:tav tm="70000">
+                                          <p:val>
+                                            <p:strVal val="ppt_y+0.297"/>
+                                          </p:val>
+                                        </p:tav>
+                                        <p:tav tm="80000">
+                                          <p:val>
+                                            <p:strVal val="ppt_y+0.317"/>
+                                          </p:val>
+                                        </p:tav>
+                                        <p:tav tm="90000">
+                                          <p:val>
+                                            <p:strVal val="ppt_y+0.329"/>
+                                          </p:val>
+                                        </p:tav>
+                                        <p:tav tm="100000">
+                                          <p:val>
+                                            <p:strVal val="ppt_y+0.333"/>
+                                          </p:val>
+                                        </p:tav>
+                                      </p:tavLst>
+                                    </p:anim>
+                                    <p:anim calcmode="lin" valueType="num">
+                                      <p:cBhvr>
+                                        <p:cTn id="16" dur="664" tmFilter="0, 0; 0.125,0.2665; 0.25,0.4; 0.375,0.465; 0.5,0.5;  0.625,0.535; 0.75,0.6; 0.875,0.7335; 1,1">
+                                          <p:stCondLst>
+                                            <p:cond delay="664"/>
+                                          </p:stCondLst>
+                                        </p:cTn>
+                                        <p:tgtEl>
+                                          <p:spTgt spid="4"/>
+                                        </p:tgtEl>
+                                        <p:attrNameLst>
+                                          <p:attrName>ppt_y</p:attrName>
+                                        </p:attrNameLst>
+                                      </p:cBhvr>
+                                      <p:tavLst>
+                                        <p:tav tm="0">
+                                          <p:val>
+                                            <p:strVal val="ppt_y"/>
+                                          </p:val>
+                                        </p:tav>
+                                        <p:tav tm="10000">
+                                          <p:val>
+                                            <p:strVal val="ppt_y-0.034"/>
+                                          </p:val>
+                                        </p:tav>
+                                        <p:tav tm="20000">
+                                          <p:val>
+                                            <p:strVal val="ppt_y-0.065"/>
+                                          </p:val>
+                                        </p:tav>
+                                        <p:tav tm="30000">
+                                          <p:val>
+                                            <p:strVal val="ppt_y-0.090"/>
+                                          </p:val>
+                                        </p:tav>
+                                        <p:tav tm="40000">
+                                          <p:val>
+                                            <p:strVal val="ppt_y-0.106"/>
+                                          </p:val>
+                                        </p:tav>
+                                        <p:tav tm="50000">
+                                          <p:val>
+                                            <p:strVal val="ppt_y-0.111"/>
+                                          </p:val>
+                                        </p:tav>
+                                        <p:tav tm="60000">
+                                          <p:val>
+                                            <p:strVal val="ppt_y-0.106"/>
+                                          </p:val>
+                                        </p:tav>
+                                        <p:tav tm="70000">
+                                          <p:val>
+                                            <p:strVal val="ppt_y-0.090"/>
+                                          </p:val>
+                                        </p:tav>
+                                        <p:tav tm="80000">
+                                          <p:val>
+                                            <p:strVal val="ppt_y-0.065"/>
+                                          </p:val>
+                                        </p:tav>
+                                        <p:tav tm="90000">
+                                          <p:val>
+                                            <p:strVal val="ppt_y-0.034"/>
+                                          </p:val>
+                                        </p:tav>
+                                        <p:tav tm="100000">
+                                          <p:val>
+                                            <p:strVal val="ppt_y"/>
+                                          </p:val>
+                                        </p:tav>
+                                      </p:tavLst>
+                                    </p:anim>
+                                    <p:anim calcmode="lin" valueType="num">
+                                      <p:cBhvr>
+                                        <p:cTn id="17" dur="332" tmFilter="0, 0; 0.125,0.2665; 0.25,0.4; 0.375,0.465; 0.5,0.5;  0.625,0.535; 0.75,0.6; 0.875,0.7335; 1,1">
+                                          <p:stCondLst>
+                                            <p:cond delay="1324"/>
+                                          </p:stCondLst>
+                                        </p:cTn>
+                                        <p:tgtEl>
+                                          <p:spTgt spid="4"/>
+                                        </p:tgtEl>
+                                        <p:attrNameLst>
+                                          <p:attrName>ppt_y</p:attrName>
+                                        </p:attrNameLst>
+                                      </p:cBhvr>
+                                      <p:tavLst>
+                                        <p:tav tm="0">
+                                          <p:val>
+                                            <p:strVal val="ppt_y"/>
+                                          </p:val>
+                                        </p:tav>
+                                        <p:tav tm="10000">
+                                          <p:val>
+                                            <p:strVal val="ppt_y-0.011"/>
+                                          </p:val>
+                                        </p:tav>
+                                        <p:tav tm="20000">
+                                          <p:val>
+                                            <p:strVal val="ppt_y-0.022"/>
+                                          </p:val>
+                                        </p:tav>
+                                        <p:tav tm="30000">
+                                          <p:val>
+                                            <p:strVal val="ppt_y-0.030"/>
+                                          </p:val>
+                                        </p:tav>
+                                        <p:tav tm="40000">
+                                          <p:val>
+                                            <p:strVal val="ppt_y-0.035"/>
+                                          </p:val>
+                                        </p:tav>
+                                        <p:tav tm="50000">
+                                          <p:val>
+                                            <p:strVal val="ppt_y-0.037"/>
+                                          </p:val>
+                                        </p:tav>
+                                        <p:tav tm="60000">
+                                          <p:val>
+                                            <p:strVal val="ppt_y-0.035"/>
+                                          </p:val>
+                                        </p:tav>
+                                        <p:tav tm="70000">
+                                          <p:val>
+                                            <p:strVal val="ppt_y-0.030"/>
+                                          </p:val>
+                                        </p:tav>
+                                        <p:tav tm="80000">
+                                          <p:val>
+                                            <p:strVal val="ppt_y-0.022"/>
+                                          </p:val>
+                                        </p:tav>
+                                        <p:tav tm="90000">
+                                          <p:val>
+                                            <p:strVal val="ppt_y-0.011"/>
+                                          </p:val>
+                                        </p:tav>
+                                        <p:tav tm="100000">
+                                          <p:val>
+                                            <p:strVal val="ppt_y"/>
+                                          </p:val>
+                                        </p:tav>
+                                      </p:tavLst>
+                                    </p:anim>
+                                    <p:anim calcmode="lin" valueType="num">
+                                      <p:cBhvr>
+                                        <p:cTn id="18" dur="164" tmFilter="0, 0; 0.125,0.2665; 0.25,0.4; 0.375,0.465; 0.5,0.5;  0.625,0.535; 0.75,0.6; 0.875,0.7335; 1,1">
+                                          <p:stCondLst>
+                                            <p:cond delay="1656"/>
+                                          </p:stCondLst>
+                                        </p:cTn>
+                                        <p:tgtEl>
+                                          <p:spTgt spid="4"/>
+                                        </p:tgtEl>
+                                        <p:attrNameLst>
+                                          <p:attrName>ppt_y</p:attrName>
+                                        </p:attrNameLst>
+                                      </p:cBhvr>
+                                      <p:tavLst>
+                                        <p:tav tm="0">
+                                          <p:val>
+                                            <p:strVal val="ppt_y"/>
+                                          </p:val>
+                                        </p:tav>
+                                        <p:tav tm="10000">
+                                          <p:val>
+                                            <p:strVal val="ppt_y-0.004"/>
+                                          </p:val>
+                                        </p:tav>
+                                        <p:tav tm="20000">
+                                          <p:val>
+                                            <p:strVal val="ppt_y-0.007"/>
+                                          </p:val>
+                                        </p:tav>
+                                        <p:tav tm="30000">
+                                          <p:val>
+                                            <p:strVal val="ppt_y-0.010"/>
+                                          </p:val>
+                                        </p:tav>
+                                        <p:tav tm="40000">
+                                          <p:val>
+                                            <p:strVal val="ppt_y-0.012"/>
+                                          </p:val>
+                                        </p:tav>
+                                        <p:tav tm="50000">
+                                          <p:val>
+                                            <p:strVal val="ppt_y-0.0123"/>
+                                          </p:val>
+                                        </p:tav>
+                                        <p:tav tm="60000">
+                                          <p:val>
+                                            <p:strVal val="ppt_y-0.012"/>
+                                          </p:val>
+                                        </p:tav>
+                                        <p:tav tm="70000">
+                                          <p:val>
+                                            <p:strVal val="ppt_y-0.010"/>
+                                          </p:val>
+                                        </p:tav>
+                                        <p:tav tm="80000">
+                                          <p:val>
+                                            <p:strVal val="ppt_y-0.007"/>
+                                          </p:val>
+                                        </p:tav>
+                                        <p:tav tm="90000">
+                                          <p:val>
+                                            <p:strVal val="ppt_y-0.004"/>
+                                          </p:val>
+                                        </p:tav>
+                                        <p:tav tm="100000">
+                                          <p:val>
+                                            <p:strVal val="ppt_y"/>
+                                          </p:val>
+                                        </p:tav>
+                                      </p:tavLst>
+                                    </p:anim>
+                                    <p:anim calcmode="lin" valueType="num">
+                                      <p:cBhvr>
+                                        <p:cTn id="19" dur="180" accel="50000">
+                                          <p:stCondLst>
+                                            <p:cond delay="1820"/>
+                                          </p:stCondLst>
+                                        </p:cTn>
+                                        <p:tgtEl>
+                                          <p:spTgt spid="4"/>
+                                        </p:tgtEl>
+                                        <p:attrNameLst>
+                                          <p:attrName>ppt_y</p:attrName>
+                                        </p:attrNameLst>
+                                      </p:cBhvr>
+                                      <p:tavLst>
+                                        <p:tav tm="0">
+                                          <p:val>
+                                            <p:strVal val="ppt_y"/>
+                                          </p:val>
+                                        </p:tav>
+                                        <p:tav tm="100000">
+                                          <p:val>
+                                            <p:strVal val="ppt_y+ppt_h"/>
+                                          </p:val>
+                                        </p:tav>
+                                      </p:tavLst>
+                                    </p:anim>
+                                    <p:animScale>
+                                      <p:cBhvr>
+                                        <p:cTn id="20" dur="26">
+                                          <p:stCondLst>
+                                            <p:cond delay="620"/>
+                                          </p:stCondLst>
+                                        </p:cTn>
+                                        <p:tgtEl>
+                                          <p:spTgt spid="4"/>
+                                        </p:tgtEl>
+                                      </p:cBhvr>
+                                      <p:to x="100000" y="60000"/>
+                                    </p:animScale>
+                                    <p:animScale>
+                                      <p:cBhvr>
+                                        <p:cTn id="21" dur="166" decel="50000">
+                                          <p:stCondLst>
+                                            <p:cond delay="646"/>
+                                          </p:stCondLst>
+                                        </p:cTn>
+                                        <p:tgtEl>
+                                          <p:spTgt spid="4"/>
+                                        </p:tgtEl>
+                                      </p:cBhvr>
+                                      <p:to x="100000" y="100000"/>
+                                    </p:animScale>
+                                    <p:animScale>
+                                      <p:cBhvr>
+                                        <p:cTn id="22" dur="26">
+                                          <p:stCondLst>
+                                            <p:cond delay="1312"/>
+                                          </p:stCondLst>
+                                        </p:cTn>
+                                        <p:tgtEl>
+                                          <p:spTgt spid="4"/>
+                                        </p:tgtEl>
+                                      </p:cBhvr>
+                                      <p:to x="100000" y="80000"/>
+                                    </p:animScale>
+                                    <p:animScale>
+                                      <p:cBhvr>
+                                        <p:cTn id="23" dur="166" decel="50000">
+                                          <p:stCondLst>
+                                            <p:cond delay="1338"/>
+                                          </p:stCondLst>
+                                        </p:cTn>
+                                        <p:tgtEl>
+                                          <p:spTgt spid="4"/>
+                                        </p:tgtEl>
+                                      </p:cBhvr>
+                                      <p:to x="100000" y="100000"/>
+                                    </p:animScale>
+                                    <p:animScale>
+                                      <p:cBhvr>
+                                        <p:cTn id="24" dur="26">
+                                          <p:stCondLst>
+                                            <p:cond delay="1642"/>
+                                          </p:stCondLst>
+                                        </p:cTn>
+                                        <p:tgtEl>
+                                          <p:spTgt spid="4"/>
+                                        </p:tgtEl>
+                                      </p:cBhvr>
+                                      <p:to x="100000" y="90000"/>
+                                    </p:animScale>
+                                    <p:animScale>
+                                      <p:cBhvr>
+                                        <p:cTn id="25" dur="166" decel="50000">
+                                          <p:stCondLst>
+                                            <p:cond delay="1668"/>
+                                          </p:stCondLst>
+                                        </p:cTn>
+                                        <p:tgtEl>
+                                          <p:spTgt spid="4"/>
+                                        </p:tgtEl>
+                                      </p:cBhvr>
+                                      <p:to x="100000" y="100000"/>
+                                    </p:animScale>
+                                    <p:animScale>
+                                      <p:cBhvr>
+                                        <p:cTn id="26" dur="26">
+                                          <p:stCondLst>
+                                            <p:cond delay="1808"/>
+                                          </p:stCondLst>
+                                        </p:cTn>
+                                        <p:tgtEl>
+                                          <p:spTgt spid="4"/>
+                                        </p:tgtEl>
+                                      </p:cBhvr>
+                                      <p:to x="100000" y="95000"/>
+                                    </p:animScale>
+                                    <p:animScale>
+                                      <p:cBhvr>
+                                        <p:cTn id="27" dur="166" decel="50000">
+                                          <p:stCondLst>
+                                            <p:cond delay="1834"/>
+                                          </p:stCondLst>
+                                        </p:cTn>
+                                        <p:tgtEl>
+                                          <p:spTgt spid="4"/>
+                                        </p:tgtEl>
+                                      </p:cBhvr>
+                                      <p:to x="100000" y="100000"/>
+                                    </p:animScale>
+                                    <p:set>
+                                      <p:cBhvr>
+                                        <p:cTn id="28" dur="1" fill="hold">
+                                          <p:stCondLst>
+                                            <p:cond delay="1999"/>
+                                          </p:stCondLst>
+                                        </p:cTn>
+                                        <p:tgtEl>
+                                          <p:spTgt spid="4"/>
+                                        </p:tgtEl>
+                                        <p:attrNameLst>
+                                          <p:attrName>style.visibility</p:attrName>
+                                        </p:attrNameLst>
+                                      </p:cBhvr>
+                                      <p:to>
+                                        <p:strVal val="hidden"/>
+                                      </p:to>
+                                    </p:set>
+                                  </p:childTnLst>
+                                </p:cTn>
+                              </p:par>
+                            </p:childTnLst>
+                          </p:cTn>
+                        </p:par>
+                      </p:childTnLst>
+                    </p:cTn>
+                  </p:par>
+                </p:childTnLst>
+              </p:cTn>
+              <p:prevCondLst>
+                <p:cond evt="onPrev" delay="0">
+                  <p:tgtEl>
+                    <p:sldTgt/>
+                  </p:tgtEl>
+                </p:cond>
+              </p:prevCondLst>
+              <p:nextCondLst>
+                <p:cond evt="onNext" delay="0">
+                  <p:tgtEl>
+                    <p:sldTgt/>
+                  </p:tgtEl>
+                </p:cond>
+              </p:nextCondLst>
+            </p:seq>
+          </p:childTnLst>
+        </p:cTn>
+      </p:par>
+    </p:tnLst>
+    <p:bldLst>
+      <p:bldP spid="2" grpId="0"/>
+      <p:bldP spid="4" grpId="0"/>
+    </p:bldLst>
+  </p:timing>
 </p:sld>
 </file>
 
@@ -6080,6 +6753,15 @@
             <a:off x="490516" y="1069383"/>
             <a:ext cx="8747311" cy="5209670"/>
           </a:xfrm>
+          <a:prstGeom prst="rect">
+            <a:avLst/>
+          </a:prstGeom>
+          <a:ln>
+            <a:noFill/>
+          </a:ln>
+          <a:effectLst>
+            <a:softEdge rad="112500"/>
+          </a:effectLst>
         </p:spPr>
       </p:pic>
     </p:spTree>
@@ -6092,6 +6774,178 @@
   <p:clrMapOvr>
     <a:masterClrMapping/>
   </p:clrMapOvr>
+  <p:transition spd="slow">
+    <p:push dir="u"/>
+  </p:transition>
+  <p:timing>
+    <p:tnLst>
+      <p:par>
+        <p:cTn id="1" dur="indefinite" restart="never" nodeType="tmRoot">
+          <p:childTnLst>
+            <p:seq concurrent="1" nextAc="seek">
+              <p:cTn id="2" dur="indefinite" nodeType="mainSeq">
+                <p:childTnLst>
+                  <p:par>
+                    <p:cTn id="3" fill="hold">
+                      <p:stCondLst>
+                        <p:cond delay="indefinite"/>
+                      </p:stCondLst>
+                      <p:childTnLst>
+                        <p:par>
+                          <p:cTn id="4" fill="hold">
+                            <p:stCondLst>
+                              <p:cond delay="0"/>
+                            </p:stCondLst>
+                            <p:childTnLst>
+                              <p:par>
+                                <p:cTn id="5" presetID="27" presetClass="emph" presetSubtype="0" fill="remove" grpId="0" nodeType="clickEffect">
+                                  <p:stCondLst>
+                                    <p:cond delay="0"/>
+                                  </p:stCondLst>
+                                  <p:childTnLst>
+                                    <p:animClr clrSpc="rgb" dir="cw">
+                                      <p:cBhvr override="childStyle">
+                                        <p:cTn id="6" dur="250" autoRev="1" fill="remove"/>
+                                        <p:tgtEl>
+                                          <p:spTgt spid="2"/>
+                                        </p:tgtEl>
+                                        <p:attrNameLst>
+                                          <p:attrName>style.color</p:attrName>
+                                        </p:attrNameLst>
+                                      </p:cBhvr>
+                                      <p:to>
+                                        <a:schemeClr val="bg1"/>
+                                      </p:to>
+                                    </p:animClr>
+                                    <p:animClr clrSpc="rgb" dir="cw">
+                                      <p:cBhvr>
+                                        <p:cTn id="7" dur="250" autoRev="1" fill="remove"/>
+                                        <p:tgtEl>
+                                          <p:spTgt spid="2"/>
+                                        </p:tgtEl>
+                                        <p:attrNameLst>
+                                          <p:attrName>fillcolor</p:attrName>
+                                        </p:attrNameLst>
+                                      </p:cBhvr>
+                                      <p:to>
+                                        <a:schemeClr val="bg1"/>
+                                      </p:to>
+                                    </p:animClr>
+                                    <p:set>
+                                      <p:cBhvr>
+                                        <p:cTn id="8" dur="250" autoRev="1" fill="remove"/>
+                                        <p:tgtEl>
+                                          <p:spTgt spid="2"/>
+                                        </p:tgtEl>
+                                        <p:attrNameLst>
+                                          <p:attrName>fill.type</p:attrName>
+                                        </p:attrNameLst>
+                                      </p:cBhvr>
+                                      <p:to>
+                                        <p:strVal val="solid"/>
+                                      </p:to>
+                                    </p:set>
+                                    <p:set>
+                                      <p:cBhvr>
+                                        <p:cTn id="9" dur="250" autoRev="1" fill="remove"/>
+                                        <p:tgtEl>
+                                          <p:spTgt spid="2"/>
+                                        </p:tgtEl>
+                                        <p:attrNameLst>
+                                          <p:attrName>fill.on</p:attrName>
+                                        </p:attrNameLst>
+                                      </p:cBhvr>
+                                      <p:to>
+                                        <p:strVal val="true"/>
+                                      </p:to>
+                                    </p:set>
+                                  </p:childTnLst>
+                                </p:cTn>
+                              </p:par>
+                            </p:childTnLst>
+                          </p:cTn>
+                        </p:par>
+                      </p:childTnLst>
+                    </p:cTn>
+                  </p:par>
+                  <p:par>
+                    <p:cTn id="10" fill="hold">
+                      <p:stCondLst>
+                        <p:cond delay="indefinite"/>
+                      </p:stCondLst>
+                      <p:childTnLst>
+                        <p:par>
+                          <p:cTn id="11" fill="hold">
+                            <p:stCondLst>
+                              <p:cond delay="0"/>
+                            </p:stCondLst>
+                            <p:childTnLst>
+                              <p:par>
+                                <p:cTn id="12" presetID="22" presetClass="entr" presetSubtype="4" fill="hold" nodeType="clickEffect">
+                                  <p:stCondLst>
+                                    <p:cond delay="0"/>
+                                  </p:stCondLst>
+                                  <p:childTnLst>
+                                    <p:set>
+                                      <p:cBhvr>
+                                        <p:cTn id="13" dur="1" fill="hold">
+                                          <p:stCondLst>
+                                            <p:cond delay="0"/>
+                                          </p:stCondLst>
+                                        </p:cTn>
+                                        <p:tgtEl>
+                                          <p:spTgt spid="4"/>
+                                        </p:tgtEl>
+                                        <p:attrNameLst>
+                                          <p:attrName>style.visibility</p:attrName>
+                                        </p:attrNameLst>
+                                      </p:cBhvr>
+                                      <p:to>
+                                        <p:strVal val="visible"/>
+                                      </p:to>
+                                    </p:set>
+                                    <p:animEffect transition="in" filter="wipe(down)">
+                                      <p:cBhvr>
+                                        <p:cTn id="14" dur="500"/>
+                                        <p:tgtEl>
+                                          <p:spTgt spid="4"/>
+                                        </p:tgtEl>
+                                      </p:cBhvr>
+                                    </p:animEffect>
+                                  </p:childTnLst>
+                                </p:cTn>
+                              </p:par>
+                            </p:childTnLst>
+                          </p:cTn>
+                        </p:par>
+                      </p:childTnLst>
+                    </p:cTn>
+                  </p:par>
+                </p:childTnLst>
+              </p:cTn>
+              <p:prevCondLst>
+                <p:cond evt="onPrev" delay="0">
+                  <p:tgtEl>
+                    <p:sldTgt/>
+                  </p:tgtEl>
+                </p:cond>
+              </p:prevCondLst>
+              <p:nextCondLst>
+                <p:cond evt="onNext" delay="0">
+                  <p:tgtEl>
+                    <p:sldTgt/>
+                  </p:tgtEl>
+                </p:cond>
+              </p:nextCondLst>
+            </p:seq>
+          </p:childTnLst>
+        </p:cTn>
+      </p:par>
+    </p:tnLst>
+    <p:bldLst>
+      <p:bldP spid="2" grpId="0"/>
+    </p:bldLst>
+  </p:timing>
 </p:sld>
 </file>
 
@@ -6186,6 +7040,15 @@
             <a:off x="766477" y="1100379"/>
             <a:ext cx="8507525" cy="5450847"/>
           </a:xfrm>
+          <a:prstGeom prst="rect">
+            <a:avLst/>
+          </a:prstGeom>
+          <a:ln>
+            <a:noFill/>
+          </a:ln>
+          <a:effectLst>
+            <a:softEdge rad="112500"/>
+          </a:effectLst>
         </p:spPr>
       </p:pic>
     </p:spTree>
@@ -6198,6 +7061,203 @@
   <p:clrMapOvr>
     <a:masterClrMapping/>
   </p:clrMapOvr>
+  <mc:AlternateContent xmlns:mc="http://schemas.openxmlformats.org/markup-compatibility/2006">
+    <mc:Choice xmlns:p14="http://schemas.microsoft.com/office/powerpoint/2010/main" Requires="p14">
+      <p:transition spd="med" p14:dur="700">
+        <p:fade/>
+      </p:transition>
+    </mc:Choice>
+    <mc:Fallback>
+      <p:transition spd="med">
+        <p:fade/>
+      </p:transition>
+    </mc:Fallback>
+  </mc:AlternateContent>
+  <p:timing>
+    <p:tnLst>
+      <p:par>
+        <p:cTn id="1" dur="indefinite" restart="never" nodeType="tmRoot">
+          <p:childTnLst>
+            <p:seq concurrent="1" nextAc="seek">
+              <p:cTn id="2" dur="indefinite" nodeType="mainSeq">
+                <p:childTnLst>
+                  <p:par>
+                    <p:cTn id="3" fill="hold">
+                      <p:stCondLst>
+                        <p:cond delay="indefinite"/>
+                      </p:stCondLst>
+                      <p:childTnLst>
+                        <p:par>
+                          <p:cTn id="4" fill="hold">
+                            <p:stCondLst>
+                              <p:cond delay="0"/>
+                            </p:stCondLst>
+                            <p:childTnLst>
+                              <p:par>
+                                <p:cTn id="5" presetID="6" presetClass="exit" presetSubtype="32" fill="hold" grpId="0" nodeType="clickEffect">
+                                  <p:stCondLst>
+                                    <p:cond delay="0"/>
+                                  </p:stCondLst>
+                                  <p:childTnLst>
+                                    <p:animEffect transition="out" filter="circle(out)">
+                                      <p:cBhvr>
+                                        <p:cTn id="6" dur="2000"/>
+                                        <p:tgtEl>
+                                          <p:spTgt spid="2"/>
+                                        </p:tgtEl>
+                                      </p:cBhvr>
+                                    </p:animEffect>
+                                    <p:set>
+                                      <p:cBhvr>
+                                        <p:cTn id="7" dur="1" fill="hold">
+                                          <p:stCondLst>
+                                            <p:cond delay="1999"/>
+                                          </p:stCondLst>
+                                        </p:cTn>
+                                        <p:tgtEl>
+                                          <p:spTgt spid="2"/>
+                                        </p:tgtEl>
+                                        <p:attrNameLst>
+                                          <p:attrName>style.visibility</p:attrName>
+                                        </p:attrNameLst>
+                                      </p:cBhvr>
+                                      <p:to>
+                                        <p:strVal val="hidden"/>
+                                      </p:to>
+                                    </p:set>
+                                  </p:childTnLst>
+                                </p:cTn>
+                              </p:par>
+                            </p:childTnLst>
+                          </p:cTn>
+                        </p:par>
+                      </p:childTnLst>
+                    </p:cTn>
+                  </p:par>
+                  <p:par>
+                    <p:cTn id="8" fill="hold">
+                      <p:stCondLst>
+                        <p:cond delay="indefinite"/>
+                      </p:stCondLst>
+                      <p:childTnLst>
+                        <p:par>
+                          <p:cTn id="9" fill="hold">
+                            <p:stCondLst>
+                              <p:cond delay="0"/>
+                            </p:stCondLst>
+                            <p:childTnLst>
+                              <p:par>
+                                <p:cTn id="10" presetID="45" presetClass="entr" presetSubtype="0" fill="hold" nodeType="clickEffect">
+                                  <p:stCondLst>
+                                    <p:cond delay="0"/>
+                                  </p:stCondLst>
+                                  <p:childTnLst>
+                                    <p:set>
+                                      <p:cBhvr>
+                                        <p:cTn id="11" dur="1" fill="hold">
+                                          <p:stCondLst>
+                                            <p:cond delay="0"/>
+                                          </p:stCondLst>
+                                        </p:cTn>
+                                        <p:tgtEl>
+                                          <p:spTgt spid="4"/>
+                                        </p:tgtEl>
+                                        <p:attrNameLst>
+                                          <p:attrName>style.visibility</p:attrName>
+                                        </p:attrNameLst>
+                                      </p:cBhvr>
+                                      <p:to>
+                                        <p:strVal val="visible"/>
+                                      </p:to>
+                                    </p:set>
+                                    <p:animEffect transition="in" filter="fade">
+                                      <p:cBhvr>
+                                        <p:cTn id="12" dur="2000"/>
+                                        <p:tgtEl>
+                                          <p:spTgt spid="4"/>
+                                        </p:tgtEl>
+                                      </p:cBhvr>
+                                    </p:animEffect>
+                                    <p:anim calcmode="lin" valueType="num">
+                                      <p:cBhvr>
+                                        <p:cTn id="13" dur="2000" fill="hold"/>
+                                        <p:tgtEl>
+                                          <p:spTgt spid="4"/>
+                                        </p:tgtEl>
+                                        <p:attrNameLst>
+                                          <p:attrName>ppt_w</p:attrName>
+                                        </p:attrNameLst>
+                                      </p:cBhvr>
+                                      <p:tavLst>
+                                        <p:tav tm="0" fmla="#ppt_w*sin(2.5*pi*$)">
+                                          <p:val>
+                                            <p:fltVal val="0"/>
+                                          </p:val>
+                                        </p:tav>
+                                        <p:tav tm="100000">
+                                          <p:val>
+                                            <p:fltVal val="1"/>
+                                          </p:val>
+                                        </p:tav>
+                                      </p:tavLst>
+                                    </p:anim>
+                                    <p:anim calcmode="lin" valueType="num">
+                                      <p:cBhvr>
+                                        <p:cTn id="14" dur="2000" fill="hold"/>
+                                        <p:tgtEl>
+                                          <p:spTgt spid="4"/>
+                                        </p:tgtEl>
+                                        <p:attrNameLst>
+                                          <p:attrName>ppt_h</p:attrName>
+                                        </p:attrNameLst>
+                                      </p:cBhvr>
+                                      <p:tavLst>
+                                        <p:tav tm="0">
+                                          <p:val>
+                                            <p:strVal val="#ppt_h"/>
+                                          </p:val>
+                                        </p:tav>
+                                        <p:tav tm="100000">
+                                          <p:val>
+                                            <p:strVal val="#ppt_h"/>
+                                          </p:val>
+                                        </p:tav>
+                                      </p:tavLst>
+                                    </p:anim>
+                                  </p:childTnLst>
+                                </p:cTn>
+                              </p:par>
+                            </p:childTnLst>
+                          </p:cTn>
+                        </p:par>
+                      </p:childTnLst>
+                    </p:cTn>
+                  </p:par>
+                </p:childTnLst>
+              </p:cTn>
+              <p:prevCondLst>
+                <p:cond evt="onPrev" delay="0">
+                  <p:tgtEl>
+                    <p:sldTgt/>
+                  </p:tgtEl>
+                </p:cond>
+              </p:prevCondLst>
+              <p:nextCondLst>
+                <p:cond evt="onNext" delay="0">
+                  <p:tgtEl>
+                    <p:sldTgt/>
+                  </p:tgtEl>
+                </p:cond>
+              </p:nextCondLst>
+            </p:seq>
+          </p:childTnLst>
+        </p:cTn>
+      </p:par>
+    </p:tnLst>
+    <p:bldLst>
+      <p:bldP spid="2" grpId="0"/>
+    </p:bldLst>
+  </p:timing>
 </p:sld>
 </file>
 
@@ -6266,7 +7326,7 @@
         </p:blipFill>
         <p:spPr>
           <a:xfrm>
-            <a:off x="1633338" y="1011001"/>
+            <a:off x="1013406" y="1026499"/>
             <a:ext cx="8710047" cy="5596753"/>
           </a:xfrm>
           <a:prstGeom prst="rect">
@@ -6284,6 +7344,129 @@
   <p:clrMapOvr>
     <a:masterClrMapping/>
   </p:clrMapOvr>
+  <mc:AlternateContent xmlns:mc="http://schemas.openxmlformats.org/markup-compatibility/2006">
+    <mc:Choice xmlns:p14="http://schemas.microsoft.com/office/powerpoint/2010/main" Requires="p14">
+      <p:transition spd="slow" p14:dur="1500">
+        <p:split orient="vert"/>
+      </p:transition>
+    </mc:Choice>
+    <mc:Fallback>
+      <p:transition spd="slow">
+        <p:split orient="vert"/>
+      </p:transition>
+    </mc:Fallback>
+  </mc:AlternateContent>
+  <p:timing>
+    <p:tnLst>
+      <p:par>
+        <p:cTn id="1" dur="indefinite" restart="never" nodeType="tmRoot">
+          <p:childTnLst>
+            <p:seq concurrent="1" nextAc="seek">
+              <p:cTn id="2" dur="indefinite" nodeType="mainSeq">
+                <p:childTnLst>
+                  <p:par>
+                    <p:cTn id="3" fill="hold">
+                      <p:stCondLst>
+                        <p:cond delay="indefinite"/>
+                      </p:stCondLst>
+                      <p:childTnLst>
+                        <p:par>
+                          <p:cTn id="4" fill="hold">
+                            <p:stCondLst>
+                              <p:cond delay="0"/>
+                            </p:stCondLst>
+                            <p:childTnLst>
+                              <p:par>
+                                <p:cTn id="5" presetID="26" presetClass="path" presetSubtype="0" accel="50000" decel="50000" fill="hold" grpId="0" nodeType="clickEffect">
+                                  <p:stCondLst>
+                                    <p:cond delay="0"/>
+                                  </p:stCondLst>
+                                  <p:childTnLst>
+                                    <p:animMotion origin="layout" path="M 0 0 C 0 0.033 0.027 0.06 0.06 0.06 C 0.099 0.06 0.113 0.03 0.119 0.012 L 0.125 -0.012 C 0.131 -0.03 0.146 -0.06 0.19 -0.06 C 0.218 -0.06 0.25 -0.033 0.25 0 C 0.25 0.033 0.218 0.06 0.19 0.06 C 0.146 0.06 0.131 0.03 0.125 0.012 L 0.119 -0.012 C 0.113 -0.03 0.099 -0.06 0.06 -0.06 C 0.027 -0.06 0 -0.033 0 0 Z" pathEditMode="relative" ptsTypes="">
+                                      <p:cBhvr>
+                                        <p:cTn id="6" dur="2000" fill="hold"/>
+                                        <p:tgtEl>
+                                          <p:spTgt spid="2"/>
+                                        </p:tgtEl>
+                                        <p:attrNameLst>
+                                          <p:attrName>ppt_x</p:attrName>
+                                          <p:attrName>ppt_y</p:attrName>
+                                        </p:attrNameLst>
+                                      </p:cBhvr>
+                                    </p:animMotion>
+                                  </p:childTnLst>
+                                </p:cTn>
+                              </p:par>
+                            </p:childTnLst>
+                          </p:cTn>
+                        </p:par>
+                      </p:childTnLst>
+                    </p:cTn>
+                  </p:par>
+                  <p:par>
+                    <p:cTn id="7" fill="hold">
+                      <p:stCondLst>
+                        <p:cond delay="indefinite"/>
+                      </p:stCondLst>
+                      <p:childTnLst>
+                        <p:par>
+                          <p:cTn id="8" fill="hold">
+                            <p:stCondLst>
+                              <p:cond delay="0"/>
+                            </p:stCondLst>
+                            <p:childTnLst>
+                              <p:par>
+                                <p:cTn id="9" presetID="1" presetClass="path" presetSubtype="0" accel="50000" decel="50000" fill="hold" nodeType="clickEffect">
+                                  <p:stCondLst>
+                                    <p:cond delay="0"/>
+                                  </p:stCondLst>
+                                  <p:childTnLst>
+                                    <p:animMotion origin="layout" path="M 0 0 C 0.069 0 0.125 0.056 0.125 0.125 C 0.125 0.194 0.069 0.25 0 0.25 C -0.069 0.25 -0.125 0.194 -0.125 0.125 C -0.125 0.056 -0.069 0 0 0 Z" pathEditMode="relative" ptsTypes="">
+                                      <p:cBhvr>
+                                        <p:cTn id="10" dur="2000" fill="hold"/>
+                                        <p:tgtEl>
+                                          <p:spTgt spid="8"/>
+                                        </p:tgtEl>
+                                        <p:attrNameLst>
+                                          <p:attrName>ppt_x</p:attrName>
+                                          <p:attrName>ppt_y</p:attrName>
+                                        </p:attrNameLst>
+                                      </p:cBhvr>
+                                    </p:animMotion>
+                                  </p:childTnLst>
+                                </p:cTn>
+                              </p:par>
+                            </p:childTnLst>
+                          </p:cTn>
+                        </p:par>
+                      </p:childTnLst>
+                    </p:cTn>
+                  </p:par>
+                </p:childTnLst>
+              </p:cTn>
+              <p:prevCondLst>
+                <p:cond evt="onPrev" delay="0">
+                  <p:tgtEl>
+                    <p:sldTgt/>
+                  </p:tgtEl>
+                </p:cond>
+              </p:prevCondLst>
+              <p:nextCondLst>
+                <p:cond evt="onNext" delay="0">
+                  <p:tgtEl>
+                    <p:sldTgt/>
+                  </p:tgtEl>
+                </p:cond>
+              </p:nextCondLst>
+            </p:seq>
+          </p:childTnLst>
+        </p:cTn>
+      </p:par>
+    </p:tnLst>
+    <p:bldLst>
+      <p:bldP spid="2" grpId="0"/>
+    </p:bldLst>
+  </p:timing>
 </p:sld>
 </file>
 
@@ -6369,6 +7552,258 @@
   <p:clrMapOvr>
     <a:masterClrMapping/>
   </p:clrMapOvr>
+  <mc:AlternateContent xmlns:mc="http://schemas.openxmlformats.org/markup-compatibility/2006">
+    <mc:Choice xmlns:p14="http://schemas.microsoft.com/office/powerpoint/2010/main" Requires="p14">
+      <p:transition spd="slow">
+        <p14:flash/>
+      </p:transition>
+    </mc:Choice>
+    <mc:Fallback>
+      <p:transition spd="slow">
+        <p:fade/>
+      </p:transition>
+    </mc:Fallback>
+  </mc:AlternateContent>
+  <p:timing>
+    <p:tnLst>
+      <p:par>
+        <p:cTn id="1" dur="indefinite" restart="never" nodeType="tmRoot">
+          <p:childTnLst>
+            <p:seq concurrent="1" nextAc="seek">
+              <p:cTn id="2" dur="indefinite" nodeType="mainSeq">
+                <p:childTnLst>
+                  <p:par>
+                    <p:cTn id="3" fill="hold">
+                      <p:stCondLst>
+                        <p:cond delay="indefinite"/>
+                      </p:stCondLst>
+                      <p:childTnLst>
+                        <p:par>
+                          <p:cTn id="4" fill="hold">
+                            <p:stCondLst>
+                              <p:cond delay="0"/>
+                            </p:stCondLst>
+                            <p:childTnLst>
+                              <p:par>
+                                <p:cTn id="5" presetID="2" presetClass="exit" presetSubtype="4" fill="hold" grpId="0" nodeType="clickEffect">
+                                  <p:stCondLst>
+                                    <p:cond delay="0"/>
+                                  </p:stCondLst>
+                                  <p:childTnLst>
+                                    <p:anim calcmode="lin" valueType="num">
+                                      <p:cBhvr additive="base">
+                                        <p:cTn id="6" dur="500"/>
+                                        <p:tgtEl>
+                                          <p:spTgt spid="2"/>
+                                        </p:tgtEl>
+                                        <p:attrNameLst>
+                                          <p:attrName>ppt_x</p:attrName>
+                                        </p:attrNameLst>
+                                      </p:cBhvr>
+                                      <p:tavLst>
+                                        <p:tav tm="0">
+                                          <p:val>
+                                            <p:strVal val="ppt_x"/>
+                                          </p:val>
+                                        </p:tav>
+                                        <p:tav tm="100000">
+                                          <p:val>
+                                            <p:strVal val="ppt_x"/>
+                                          </p:val>
+                                        </p:tav>
+                                      </p:tavLst>
+                                    </p:anim>
+                                    <p:anim calcmode="lin" valueType="num">
+                                      <p:cBhvr additive="base">
+                                        <p:cTn id="7" dur="500"/>
+                                        <p:tgtEl>
+                                          <p:spTgt spid="2"/>
+                                        </p:tgtEl>
+                                        <p:attrNameLst>
+                                          <p:attrName>ppt_y</p:attrName>
+                                        </p:attrNameLst>
+                                      </p:cBhvr>
+                                      <p:tavLst>
+                                        <p:tav tm="0">
+                                          <p:val>
+                                            <p:strVal val="ppt_y"/>
+                                          </p:val>
+                                        </p:tav>
+                                        <p:tav tm="100000">
+                                          <p:val>
+                                            <p:strVal val="1+ppt_h/2"/>
+                                          </p:val>
+                                        </p:tav>
+                                      </p:tavLst>
+                                    </p:anim>
+                                    <p:set>
+                                      <p:cBhvr>
+                                        <p:cTn id="8" dur="1" fill="hold">
+                                          <p:stCondLst>
+                                            <p:cond delay="499"/>
+                                          </p:stCondLst>
+                                        </p:cTn>
+                                        <p:tgtEl>
+                                          <p:spTgt spid="2"/>
+                                        </p:tgtEl>
+                                        <p:attrNameLst>
+                                          <p:attrName>style.visibility</p:attrName>
+                                        </p:attrNameLst>
+                                      </p:cBhvr>
+                                      <p:to>
+                                        <p:strVal val="hidden"/>
+                                      </p:to>
+                                    </p:set>
+                                  </p:childTnLst>
+                                </p:cTn>
+                              </p:par>
+                            </p:childTnLst>
+                          </p:cTn>
+                        </p:par>
+                      </p:childTnLst>
+                    </p:cTn>
+                  </p:par>
+                  <p:par>
+                    <p:cTn id="9" fill="hold">
+                      <p:stCondLst>
+                        <p:cond delay="indefinite"/>
+                      </p:stCondLst>
+                      <p:childTnLst>
+                        <p:par>
+                          <p:cTn id="10" fill="hold">
+                            <p:stCondLst>
+                              <p:cond delay="0"/>
+                            </p:stCondLst>
+                            <p:childTnLst>
+                              <p:par>
+                                <p:cTn id="11" presetID="53" presetClass="entr" presetSubtype="16" fill="hold" grpId="0" nodeType="clickEffect">
+                                  <p:stCondLst>
+                                    <p:cond delay="0"/>
+                                  </p:stCondLst>
+                                  <p:childTnLst>
+                                    <p:set>
+                                      <p:cBhvr>
+                                        <p:cTn id="12" dur="1" fill="hold">
+                                          <p:stCondLst>
+                                            <p:cond delay="0"/>
+                                          </p:stCondLst>
+                                        </p:cTn>
+                                        <p:tgtEl>
+                                          <p:spTgt spid="3">
+                                            <p:txEl>
+                                              <p:pRg st="0" end="0"/>
+                                            </p:txEl>
+                                          </p:spTgt>
+                                        </p:tgtEl>
+                                        <p:attrNameLst>
+                                          <p:attrName>style.visibility</p:attrName>
+                                        </p:attrNameLst>
+                                      </p:cBhvr>
+                                      <p:to>
+                                        <p:strVal val="visible"/>
+                                      </p:to>
+                                    </p:set>
+                                    <p:anim calcmode="lin" valueType="num">
+                                      <p:cBhvr>
+                                        <p:cTn id="13" dur="500" fill="hold"/>
+                                        <p:tgtEl>
+                                          <p:spTgt spid="3">
+                                            <p:txEl>
+                                              <p:pRg st="0" end="0"/>
+                                            </p:txEl>
+                                          </p:spTgt>
+                                        </p:tgtEl>
+                                        <p:attrNameLst>
+                                          <p:attrName>ppt_w</p:attrName>
+                                        </p:attrNameLst>
+                                      </p:cBhvr>
+                                      <p:tavLst>
+                                        <p:tav tm="0">
+                                          <p:val>
+                                            <p:fltVal val="0"/>
+                                          </p:val>
+                                        </p:tav>
+                                        <p:tav tm="100000">
+                                          <p:val>
+                                            <p:strVal val="#ppt_w"/>
+                                          </p:val>
+                                        </p:tav>
+                                      </p:tavLst>
+                                    </p:anim>
+                                    <p:anim calcmode="lin" valueType="num">
+                                      <p:cBhvr>
+                                        <p:cTn id="14" dur="500" fill="hold"/>
+                                        <p:tgtEl>
+                                          <p:spTgt spid="3">
+                                            <p:txEl>
+                                              <p:pRg st="0" end="0"/>
+                                            </p:txEl>
+                                          </p:spTgt>
+                                        </p:tgtEl>
+                                        <p:attrNameLst>
+                                          <p:attrName>ppt_h</p:attrName>
+                                        </p:attrNameLst>
+                                      </p:cBhvr>
+                                      <p:tavLst>
+                                        <p:tav tm="0">
+                                          <p:val>
+                                            <p:fltVal val="0"/>
+                                          </p:val>
+                                        </p:tav>
+                                        <p:tav tm="100000">
+                                          <p:val>
+                                            <p:strVal val="#ppt_h"/>
+                                          </p:val>
+                                        </p:tav>
+                                      </p:tavLst>
+                                    </p:anim>
+                                    <p:animEffect transition="in" filter="fade">
+                                      <p:cBhvr>
+                                        <p:cTn id="15" dur="500"/>
+                                        <p:tgtEl>
+                                          <p:spTgt spid="3">
+                                            <p:txEl>
+                                              <p:pRg st="0" end="0"/>
+                                            </p:txEl>
+                                          </p:spTgt>
+                                        </p:tgtEl>
+                                      </p:cBhvr>
+                                    </p:animEffect>
+                                  </p:childTnLst>
+                                </p:cTn>
+                              </p:par>
+                            </p:childTnLst>
+                          </p:cTn>
+                        </p:par>
+                      </p:childTnLst>
+                    </p:cTn>
+                  </p:par>
+                </p:childTnLst>
+              </p:cTn>
+              <p:prevCondLst>
+                <p:cond evt="onPrev" delay="0">
+                  <p:tgtEl>
+                    <p:sldTgt/>
+                  </p:tgtEl>
+                </p:cond>
+              </p:prevCondLst>
+              <p:nextCondLst>
+                <p:cond evt="onNext" delay="0">
+                  <p:tgtEl>
+                    <p:sldTgt/>
+                  </p:tgtEl>
+                </p:cond>
+              </p:nextCondLst>
+            </p:seq>
+          </p:childTnLst>
+        </p:cTn>
+      </p:par>
+    </p:tnLst>
+    <p:bldLst>
+      <p:bldP spid="2" grpId="0"/>
+      <p:bldP spid="3" grpId="0" build="p"/>
+    </p:bldLst>
+  </p:timing>
 </p:sld>
 </file>
 
@@ -6462,10 +7897,6 @@
               <a:rPr lang="es-GT" sz="2000" b="1" dirty="0"/>
               <a:t>De acuerdo a la clasificación del MAGA la producción agrícola en el país es concretada por cuatro tipos de productores: Infrasubsistencia, Subsistencia, Excedentarios y Comerciales. </a:t>
             </a:r>
-            <a:r>
-              <a:rPr lang="es-GT" sz="2000" b="1" dirty="0"/>
-              <a:t/>
-            </a:r>
             <a:br>
               <a:rPr lang="es-GT" sz="2000" b="1" dirty="0"/>
             </a:br>
@@ -6473,10 +7904,6 @@
               <a:rPr lang="es-GT" sz="2000" b="1" dirty="0"/>
               <a:t>La agricultura de infra-subsistencia y subsistencia representan el 96% de los productores ocupando el 20% de la tierra cultivable del país. Este grupo, conformado en su mayoría por población indígena presenta altos índices de analfabetismo y condiciones de pobreza y pobreza extrema. </a:t>
             </a:r>
-            <a:r>
-              <a:rPr lang="es-GT" sz="2000" b="1" dirty="0"/>
-              <a:t/>
-            </a:r>
             <a:br>
               <a:rPr lang="es-GT" sz="2000" b="1" dirty="0"/>
             </a:br>
@@ -6484,10 +7911,6 @@
               <a:rPr lang="es-GT" sz="2000" b="1" dirty="0"/>
               <a:t>La agricultura excedentaria es realizada por el 3.85% de los productores, utilizando el 10% de las tierras dedicadas a la producción agrícola, este grupo se dedica principalmente al cultivo de productos no tradicionales que son dedicados al mercado interno y externo. El 0.15% de los productores practica la agricultura comercial de productos tradicionales destinados a los mercados de exportación; este tipo de agricultura emplea el 70% de la tierra agrícola cultivable del país. </a:t>
             </a:r>
-            <a:r>
-              <a:rPr lang="es-GT" sz="2000" b="1" dirty="0"/>
-              <a:t/>
-            </a:r>
             <a:br>
               <a:rPr lang="es-GT" sz="2000" b="1" dirty="0"/>
             </a:br>
@@ -6495,7 +7918,6 @@
               <a:rPr lang="es-GT" sz="2000" b="1" dirty="0"/>
               <a:t>La población objetivo del ICTA son todos los agricultores y agricultoras del país, el conocimiento que se genera, valida y transfiere va dirigido a mejorar el desarrollo de la agricultura nacional.</a:t>
             </a:r>
-            <a:endParaRPr lang="es-GT" sz="2000" b="1" dirty="0"/>
           </a:p>
         </p:txBody>
       </p:sp>
@@ -6509,6 +7931,207 @@
   <p:clrMapOvr>
     <a:masterClrMapping/>
   </p:clrMapOvr>
+  <mc:AlternateContent xmlns:mc="http://schemas.openxmlformats.org/markup-compatibility/2006">
+    <mc:Choice xmlns:p14="http://schemas.microsoft.com/office/powerpoint/2010/main" Requires="p14">
+      <p:transition spd="slow" p14:dur="800">
+        <p:circle/>
+      </p:transition>
+    </mc:Choice>
+    <mc:Fallback>
+      <p:transition spd="slow">
+        <p:circle/>
+      </p:transition>
+    </mc:Fallback>
+  </mc:AlternateContent>
+  <p:timing>
+    <p:tnLst>
+      <p:par>
+        <p:cTn id="1" dur="indefinite" restart="never" nodeType="tmRoot">
+          <p:childTnLst>
+            <p:seq concurrent="1" nextAc="seek">
+              <p:cTn id="2" dur="indefinite" nodeType="mainSeq">
+                <p:childTnLst>
+                  <p:par>
+                    <p:cTn id="3" fill="hold">
+                      <p:stCondLst>
+                        <p:cond delay="indefinite"/>
+                      </p:stCondLst>
+                      <p:childTnLst>
+                        <p:par>
+                          <p:cTn id="4" fill="hold">
+                            <p:stCondLst>
+                              <p:cond delay="0"/>
+                            </p:stCondLst>
+                            <p:childTnLst>
+                              <p:par>
+                                <p:cTn id="5" presetID="10" presetClass="entr" presetSubtype="0" fill="hold" grpId="0" nodeType="clickEffect">
+                                  <p:stCondLst>
+                                    <p:cond delay="0"/>
+                                  </p:stCondLst>
+                                  <p:childTnLst>
+                                    <p:set>
+                                      <p:cBhvr>
+                                        <p:cTn id="6" dur="1" fill="hold">
+                                          <p:stCondLst>
+                                            <p:cond delay="0"/>
+                                          </p:stCondLst>
+                                        </p:cTn>
+                                        <p:tgtEl>
+                                          <p:spTgt spid="2"/>
+                                        </p:tgtEl>
+                                        <p:attrNameLst>
+                                          <p:attrName>style.visibility</p:attrName>
+                                        </p:attrNameLst>
+                                      </p:cBhvr>
+                                      <p:to>
+                                        <p:strVal val="visible"/>
+                                      </p:to>
+                                    </p:set>
+                                    <p:animEffect transition="in" filter="fade">
+                                      <p:cBhvr>
+                                        <p:cTn id="7" dur="500"/>
+                                        <p:tgtEl>
+                                          <p:spTgt spid="2"/>
+                                        </p:tgtEl>
+                                      </p:cBhvr>
+                                    </p:animEffect>
+                                  </p:childTnLst>
+                                </p:cTn>
+                              </p:par>
+                            </p:childTnLst>
+                          </p:cTn>
+                        </p:par>
+                      </p:childTnLst>
+                    </p:cTn>
+                  </p:par>
+                  <p:par>
+                    <p:cTn id="8" fill="hold">
+                      <p:stCondLst>
+                        <p:cond delay="indefinite"/>
+                      </p:stCondLst>
+                      <p:childTnLst>
+                        <p:par>
+                          <p:cTn id="9" fill="hold">
+                            <p:stCondLst>
+                              <p:cond delay="0"/>
+                            </p:stCondLst>
+                            <p:childTnLst>
+                              <p:par>
+                                <p:cTn id="10" presetID="2" presetClass="entr" presetSubtype="4" fill="hold" nodeType="clickEffect">
+                                  <p:stCondLst>
+                                    <p:cond delay="0"/>
+                                  </p:stCondLst>
+                                  <p:childTnLst>
+                                    <p:set>
+                                      <p:cBhvr>
+                                        <p:cTn id="11" dur="1" fill="hold">
+                                          <p:stCondLst>
+                                            <p:cond delay="0"/>
+                                          </p:stCondLst>
+                                        </p:cTn>
+                                        <p:tgtEl>
+                                          <p:spTgt spid="3">
+                                            <p:txEl>
+                                              <p:pRg st="0" end="0"/>
+                                            </p:txEl>
+                                          </p:spTgt>
+                                        </p:tgtEl>
+                                        <p:attrNameLst>
+                                          <p:attrName>style.visibility</p:attrName>
+                                        </p:attrNameLst>
+                                      </p:cBhvr>
+                                      <p:to>
+                                        <p:strVal val="visible"/>
+                                      </p:to>
+                                    </p:set>
+                                    <p:anim calcmode="lin" valueType="num">
+                                      <p:cBhvr additive="base">
+                                        <p:cTn id="12" dur="500" fill="hold"/>
+                                        <p:tgtEl>
+                                          <p:spTgt spid="3">
+                                            <p:txEl>
+                                              <p:pRg st="0" end="0"/>
+                                            </p:txEl>
+                                          </p:spTgt>
+                                        </p:tgtEl>
+                                        <p:attrNameLst>
+                                          <p:attrName>ppt_x</p:attrName>
+                                        </p:attrNameLst>
+                                      </p:cBhvr>
+                                      <p:tavLst>
+                                        <p:tav tm="0">
+                                          <p:val>
+                                            <p:strVal val="#ppt_x"/>
+                                          </p:val>
+                                        </p:tav>
+                                        <p:tav tm="100000">
+                                          <p:val>
+                                            <p:strVal val="#ppt_x"/>
+                                          </p:val>
+                                        </p:tav>
+                                      </p:tavLst>
+                                    </p:anim>
+                                    <p:anim calcmode="lin" valueType="num">
+                                      <p:cBhvr additive="base">
+                                        <p:cTn id="13" dur="500" fill="hold"/>
+                                        <p:tgtEl>
+                                          <p:spTgt spid="3">
+                                            <p:txEl>
+                                              <p:pRg st="0" end="0"/>
+                                            </p:txEl>
+                                          </p:spTgt>
+                                        </p:tgtEl>
+                                        <p:attrNameLst>
+                                          <p:attrName>ppt_y</p:attrName>
+                                        </p:attrNameLst>
+                                      </p:cBhvr>
+                                      <p:tavLst>
+                                        <p:tav tm="0">
+                                          <p:val>
+                                            <p:strVal val="1+#ppt_h/2"/>
+                                          </p:val>
+                                        </p:tav>
+                                        <p:tav tm="100000">
+                                          <p:val>
+                                            <p:strVal val="#ppt_y"/>
+                                          </p:val>
+                                        </p:tav>
+                                      </p:tavLst>
+                                    </p:anim>
+                                  </p:childTnLst>
+                                </p:cTn>
+                              </p:par>
+                            </p:childTnLst>
+                          </p:cTn>
+                        </p:par>
+                      </p:childTnLst>
+                    </p:cTn>
+                  </p:par>
+                </p:childTnLst>
+              </p:cTn>
+              <p:prevCondLst>
+                <p:cond evt="onPrev" delay="0">
+                  <p:tgtEl>
+                    <p:sldTgt/>
+                  </p:tgtEl>
+                </p:cond>
+              </p:prevCondLst>
+              <p:nextCondLst>
+                <p:cond evt="onNext" delay="0">
+                  <p:tgtEl>
+                    <p:sldTgt/>
+                  </p:tgtEl>
+                </p:cond>
+              </p:nextCondLst>
+            </p:seq>
+          </p:childTnLst>
+        </p:cTn>
+      </p:par>
+    </p:tnLst>
+    <p:bldLst>
+      <p:bldP spid="2" grpId="0"/>
+    </p:bldLst>
+  </p:timing>
 </p:sld>
 </file>
 
@@ -6614,6 +8237,145 @@
   <p:clrMapOvr>
     <a:masterClrMapping/>
   </p:clrMapOvr>
+  <mc:AlternateContent xmlns:mc="http://schemas.openxmlformats.org/markup-compatibility/2006">
+    <mc:Choice xmlns:p14="http://schemas.microsoft.com/office/powerpoint/2010/main" Requires="p14">
+      <p:transition spd="slow" p14:dur="4000">
+        <p14:vortex dir="r"/>
+      </p:transition>
+    </mc:Choice>
+    <mc:Fallback>
+      <p:transition spd="slow">
+        <p:fade/>
+      </p:transition>
+    </mc:Fallback>
+  </mc:AlternateContent>
+  <p:timing>
+    <p:tnLst>
+      <p:par>
+        <p:cTn id="1" dur="indefinite" restart="never" nodeType="tmRoot">
+          <p:childTnLst>
+            <p:seq concurrent="1" nextAc="seek">
+              <p:cTn id="2" dur="indefinite" nodeType="mainSeq">
+                <p:childTnLst>
+                  <p:par>
+                    <p:cTn id="3" fill="hold">
+                      <p:stCondLst>
+                        <p:cond delay="indefinite"/>
+                      </p:stCondLst>
+                      <p:childTnLst>
+                        <p:par>
+                          <p:cTn id="4" fill="hold">
+                            <p:stCondLst>
+                              <p:cond delay="0"/>
+                            </p:stCondLst>
+                            <p:childTnLst>
+                              <p:par>
+                                <p:cTn id="5" presetID="16" presetClass="entr" presetSubtype="21" fill="hold" grpId="0" nodeType="clickEffect">
+                                  <p:stCondLst>
+                                    <p:cond delay="0"/>
+                                  </p:stCondLst>
+                                  <p:childTnLst>
+                                    <p:set>
+                                      <p:cBhvr>
+                                        <p:cTn id="6" dur="1" fill="hold">
+                                          <p:stCondLst>
+                                            <p:cond delay="0"/>
+                                          </p:stCondLst>
+                                        </p:cTn>
+                                        <p:tgtEl>
+                                          <p:spTgt spid="2"/>
+                                        </p:tgtEl>
+                                        <p:attrNameLst>
+                                          <p:attrName>style.visibility</p:attrName>
+                                        </p:attrNameLst>
+                                      </p:cBhvr>
+                                      <p:to>
+                                        <p:strVal val="visible"/>
+                                      </p:to>
+                                    </p:set>
+                                    <p:animEffect transition="in" filter="barn(inVertical)">
+                                      <p:cBhvr>
+                                        <p:cTn id="7" dur="500"/>
+                                        <p:tgtEl>
+                                          <p:spTgt spid="2"/>
+                                        </p:tgtEl>
+                                      </p:cBhvr>
+                                    </p:animEffect>
+                                  </p:childTnLst>
+                                </p:cTn>
+                              </p:par>
+                            </p:childTnLst>
+                          </p:cTn>
+                        </p:par>
+                      </p:childTnLst>
+                    </p:cTn>
+                  </p:par>
+                  <p:par>
+                    <p:cTn id="8" fill="hold">
+                      <p:stCondLst>
+                        <p:cond delay="indefinite"/>
+                      </p:stCondLst>
+                      <p:childTnLst>
+                        <p:par>
+                          <p:cTn id="9" fill="hold">
+                            <p:stCondLst>
+                              <p:cond delay="0"/>
+                            </p:stCondLst>
+                            <p:childTnLst>
+                              <p:par>
+                                <p:cTn id="10" presetID="6" presetClass="emph" presetSubtype="0" fill="hold" grpId="0" nodeType="clickEffect">
+                                  <p:stCondLst>
+                                    <p:cond delay="0"/>
+                                  </p:stCondLst>
+                                  <p:childTnLst>
+                                    <p:animScale>
+                                      <p:cBhvr>
+                                        <p:cTn id="11" dur="2000" fill="hold"/>
+                                        <p:tgtEl>
+                                          <p:spTgt spid="3">
+                                            <p:txEl>
+                                              <p:pRg st="0" end="0"/>
+                                            </p:txEl>
+                                          </p:spTgt>
+                                        </p:tgtEl>
+                                      </p:cBhvr>
+                                      <p:by x="150000" y="150000"/>
+                                    </p:animScale>
+                                  </p:childTnLst>
+                                </p:cTn>
+                              </p:par>
+                            </p:childTnLst>
+                          </p:cTn>
+                        </p:par>
+                      </p:childTnLst>
+                    </p:cTn>
+                  </p:par>
+                </p:childTnLst>
+              </p:cTn>
+              <p:prevCondLst>
+                <p:cond evt="onPrev" delay="0">
+                  <p:tgtEl>
+                    <p:sldTgt/>
+                  </p:tgtEl>
+                </p:cond>
+              </p:prevCondLst>
+              <p:nextCondLst>
+                <p:cond evt="onNext" delay="0">
+                  <p:tgtEl>
+                    <p:sldTgt/>
+                  </p:tgtEl>
+                </p:cond>
+              </p:nextCondLst>
+            </p:seq>
+          </p:childTnLst>
+        </p:cTn>
+      </p:par>
+    </p:tnLst>
+    <p:bldLst>
+      <p:bldP spid="2" grpId="0"/>
+      <p:bldP spid="3" grpId="0" build="p"/>
+    </p:bldLst>
+  </p:timing>
 </p:sld>
 </file>
 
@@ -6693,7 +8455,7 @@
         </p:nvSpPr>
         <p:spPr>
           <a:xfrm>
-            <a:off x="677334" y="2873513"/>
+            <a:off x="677334" y="3121486"/>
             <a:ext cx="8596668" cy="2798868"/>
           </a:xfrm>
         </p:spPr>
@@ -6722,6 +8484,135 @@
   <p:clrMapOvr>
     <a:masterClrMapping/>
   </p:clrMapOvr>
+  <p:transition spd="slow">
+    <p:randomBar dir="vert"/>
+  </p:transition>
+  <p:timing>
+    <p:tnLst>
+      <p:par>
+        <p:cTn id="1" dur="indefinite" restart="never" nodeType="tmRoot">
+          <p:childTnLst>
+            <p:seq concurrent="1" nextAc="seek">
+              <p:cTn id="2" dur="indefinite" nodeType="mainSeq">
+                <p:childTnLst>
+                  <p:par>
+                    <p:cTn id="3" fill="hold">
+                      <p:stCondLst>
+                        <p:cond delay="indefinite"/>
+                      </p:stCondLst>
+                      <p:childTnLst>
+                        <p:par>
+                          <p:cTn id="4" fill="hold">
+                            <p:stCondLst>
+                              <p:cond delay="0"/>
+                            </p:stCondLst>
+                            <p:childTnLst>
+                              <p:par>
+                                <p:cTn id="5" presetID="42" presetClass="path" presetSubtype="0" accel="50000" decel="50000" fill="hold" grpId="0" nodeType="clickEffect">
+                                  <p:stCondLst>
+                                    <p:cond delay="0"/>
+                                  </p:stCondLst>
+                                  <p:childTnLst>
+                                    <p:animMotion origin="layout" path="M -2.91667E-6 1.48148E-6 L -2.91667E-6 0.21042 " pathEditMode="relative" rAng="0" ptsTypes="AA">
+                                      <p:cBhvr>
+                                        <p:cTn id="6" dur="2000" fill="hold"/>
+                                        <p:tgtEl>
+                                          <p:spTgt spid="2"/>
+                                        </p:tgtEl>
+                                        <p:attrNameLst>
+                                          <p:attrName>ppt_x</p:attrName>
+                                          <p:attrName>ppt_y</p:attrName>
+                                        </p:attrNameLst>
+                                      </p:cBhvr>
+                                      <p:rCtr x="0" y="10509"/>
+                                    </p:animMotion>
+                                  </p:childTnLst>
+                                </p:cTn>
+                              </p:par>
+                            </p:childTnLst>
+                          </p:cTn>
+                        </p:par>
+                      </p:childTnLst>
+                    </p:cTn>
+                  </p:par>
+                  <p:par>
+                    <p:cTn id="7" fill="hold">
+                      <p:stCondLst>
+                        <p:cond delay="indefinite"/>
+                      </p:stCondLst>
+                      <p:childTnLst>
+                        <p:par>
+                          <p:cTn id="8" fill="hold">
+                            <p:stCondLst>
+                              <p:cond delay="0"/>
+                            </p:stCondLst>
+                            <p:childTnLst>
+                              <p:par>
+                                <p:cTn id="9" presetID="26" presetClass="emph" presetSubtype="0" fill="hold" grpId="0" nodeType="clickEffect">
+                                  <p:stCondLst>
+                                    <p:cond delay="0"/>
+                                  </p:stCondLst>
+                                  <p:childTnLst>
+                                    <p:animEffect transition="out" filter="fade">
+                                      <p:cBhvr>
+                                        <p:cTn id="10" dur="500" tmFilter="0, 0; .2, .5; .8, .5; 1, 0"/>
+                                        <p:tgtEl>
+                                          <p:spTgt spid="3">
+                                            <p:txEl>
+                                              <p:pRg st="0" end="0"/>
+                                            </p:txEl>
+                                          </p:spTgt>
+                                        </p:tgtEl>
+                                      </p:cBhvr>
+                                    </p:animEffect>
+                                    <p:animScale>
+                                      <p:cBhvr>
+                                        <p:cTn id="11" dur="250" autoRev="1" fill="hold"/>
+                                        <p:tgtEl>
+                                          <p:spTgt spid="3">
+                                            <p:txEl>
+                                              <p:pRg st="0" end="0"/>
+                                            </p:txEl>
+                                          </p:spTgt>
+                                        </p:tgtEl>
+                                      </p:cBhvr>
+                                      <p:by x="105000" y="105000"/>
+                                    </p:animScale>
+                                  </p:childTnLst>
+                                </p:cTn>
+                              </p:par>
+                            </p:childTnLst>
+                          </p:cTn>
+                        </p:par>
+                      </p:childTnLst>
+                    </p:cTn>
+                  </p:par>
+                </p:childTnLst>
+              </p:cTn>
+              <p:prevCondLst>
+                <p:cond evt="onPrev" delay="0">
+                  <p:tgtEl>
+                    <p:sldTgt/>
+                  </p:tgtEl>
+                </p:cond>
+              </p:prevCondLst>
+              <p:nextCondLst>
+                <p:cond evt="onNext" delay="0">
+                  <p:tgtEl>
+                    <p:sldTgt/>
+                  </p:tgtEl>
+                </p:cond>
+              </p:nextCondLst>
+            </p:seq>
+          </p:childTnLst>
+        </p:cTn>
+      </p:par>
+    </p:tnLst>
+    <p:bldLst>
+      <p:bldP spid="2" grpId="0"/>
+      <p:bldP spid="3" grpId="0" build="p"/>
+    </p:bldLst>
+  </p:timing>
 </p:sld>
 </file>
 
@@ -6836,6 +8727,203 @@
   <p:clrMapOvr>
     <a:masterClrMapping/>
   </p:clrMapOvr>
+  <mc:AlternateContent xmlns:mc="http://schemas.openxmlformats.org/markup-compatibility/2006">
+    <mc:Choice xmlns:p15="http://schemas.microsoft.com/office/powerpoint/2012/main" Requires="p15">
+      <p:transition xmlns:p14="http://schemas.microsoft.com/office/powerpoint/2010/main" spd="slow" p14:dur="2000">
+        <p15:prstTrans prst="fallOver"/>
+      </p:transition>
+    </mc:Choice>
+    <mc:Fallback>
+      <p:transition spd="slow">
+        <p:fade/>
+      </p:transition>
+    </mc:Fallback>
+  </mc:AlternateContent>
+  <p:timing>
+    <p:tnLst>
+      <p:par>
+        <p:cTn id="1" dur="indefinite" restart="never" nodeType="tmRoot">
+          <p:childTnLst>
+            <p:seq concurrent="1" nextAc="seek">
+              <p:cTn id="2" dur="indefinite" nodeType="mainSeq">
+                <p:childTnLst>
+                  <p:par>
+                    <p:cTn id="3" fill="hold">
+                      <p:stCondLst>
+                        <p:cond delay="indefinite"/>
+                      </p:stCondLst>
+                      <p:childTnLst>
+                        <p:par>
+                          <p:cTn id="4" fill="hold">
+                            <p:stCondLst>
+                              <p:cond delay="0"/>
+                            </p:stCondLst>
+                            <p:childTnLst>
+                              <p:par>
+                                <p:cTn id="5" presetID="2" presetClass="entr" presetSubtype="4" fill="hold" grpId="0" nodeType="clickEffect">
+                                  <p:stCondLst>
+                                    <p:cond delay="0"/>
+                                  </p:stCondLst>
+                                  <p:childTnLst>
+                                    <p:set>
+                                      <p:cBhvr>
+                                        <p:cTn id="6" dur="1" fill="hold">
+                                          <p:stCondLst>
+                                            <p:cond delay="0"/>
+                                          </p:stCondLst>
+                                        </p:cTn>
+                                        <p:tgtEl>
+                                          <p:spTgt spid="2"/>
+                                        </p:tgtEl>
+                                        <p:attrNameLst>
+                                          <p:attrName>style.visibility</p:attrName>
+                                        </p:attrNameLst>
+                                      </p:cBhvr>
+                                      <p:to>
+                                        <p:strVal val="visible"/>
+                                      </p:to>
+                                    </p:set>
+                                    <p:anim calcmode="lin" valueType="num">
+                                      <p:cBhvr additive="base">
+                                        <p:cTn id="7" dur="500" fill="hold"/>
+                                        <p:tgtEl>
+                                          <p:spTgt spid="2"/>
+                                        </p:tgtEl>
+                                        <p:attrNameLst>
+                                          <p:attrName>ppt_x</p:attrName>
+                                        </p:attrNameLst>
+                                      </p:cBhvr>
+                                      <p:tavLst>
+                                        <p:tav tm="0">
+                                          <p:val>
+                                            <p:strVal val="#ppt_x"/>
+                                          </p:val>
+                                        </p:tav>
+                                        <p:tav tm="100000">
+                                          <p:val>
+                                            <p:strVal val="#ppt_x"/>
+                                          </p:val>
+                                        </p:tav>
+                                      </p:tavLst>
+                                    </p:anim>
+                                    <p:anim calcmode="lin" valueType="num">
+                                      <p:cBhvr additive="base">
+                                        <p:cTn id="8" dur="500" fill="hold"/>
+                                        <p:tgtEl>
+                                          <p:spTgt spid="2"/>
+                                        </p:tgtEl>
+                                        <p:attrNameLst>
+                                          <p:attrName>ppt_y</p:attrName>
+                                        </p:attrNameLst>
+                                      </p:cBhvr>
+                                      <p:tavLst>
+                                        <p:tav tm="0">
+                                          <p:val>
+                                            <p:strVal val="1+#ppt_h/2"/>
+                                          </p:val>
+                                        </p:tav>
+                                        <p:tav tm="100000">
+                                          <p:val>
+                                            <p:strVal val="#ppt_y"/>
+                                          </p:val>
+                                        </p:tav>
+                                      </p:tavLst>
+                                    </p:anim>
+                                  </p:childTnLst>
+                                </p:cTn>
+                              </p:par>
+                            </p:childTnLst>
+                          </p:cTn>
+                        </p:par>
+                      </p:childTnLst>
+                    </p:cTn>
+                  </p:par>
+                  <p:par>
+                    <p:cTn id="9" fill="hold">
+                      <p:stCondLst>
+                        <p:cond delay="indefinite"/>
+                      </p:stCondLst>
+                      <p:childTnLst>
+                        <p:par>
+                          <p:cTn id="10" fill="hold">
+                            <p:stCondLst>
+                              <p:cond delay="0"/>
+                            </p:stCondLst>
+                            <p:childTnLst>
+                              <p:par>
+                                <p:cTn id="11" presetID="14" presetClass="entr" presetSubtype="10" fill="hold" nodeType="clickEffect">
+                                  <p:stCondLst>
+                                    <p:cond delay="0"/>
+                                  </p:stCondLst>
+                                  <p:childTnLst>
+                                    <p:set>
+                                      <p:cBhvr>
+                                        <p:cTn id="12" dur="1" fill="hold">
+                                          <p:stCondLst>
+                                            <p:cond delay="0"/>
+                                          </p:stCondLst>
+                                        </p:cTn>
+                                        <p:tgtEl>
+                                          <p:spTgt spid="3">
+                                            <p:txEl>
+                                              <p:pRg st="0" end="0"/>
+                                            </p:txEl>
+                                          </p:spTgt>
+                                        </p:tgtEl>
+                                        <p:attrNameLst>
+                                          <p:attrName>style.visibility</p:attrName>
+                                        </p:attrNameLst>
+                                      </p:cBhvr>
+                                      <p:to>
+                                        <p:strVal val="visible"/>
+                                      </p:to>
+                                    </p:set>
+                                    <p:animEffect transition="in" filter="randombar(horizontal)">
+                                      <p:cBhvr>
+                                        <p:cTn id="13" dur="500"/>
+                                        <p:tgtEl>
+                                          <p:spTgt spid="3">
+                                            <p:txEl>
+                                              <p:pRg st="0" end="0"/>
+                                            </p:txEl>
+                                          </p:spTgt>
+                                        </p:tgtEl>
+                                      </p:cBhvr>
+                                    </p:animEffect>
+                                  </p:childTnLst>
+                                </p:cTn>
+                              </p:par>
+                            </p:childTnLst>
+                          </p:cTn>
+                        </p:par>
+                      </p:childTnLst>
+                    </p:cTn>
+                  </p:par>
+                </p:childTnLst>
+              </p:cTn>
+              <p:prevCondLst>
+                <p:cond evt="onPrev" delay="0">
+                  <p:tgtEl>
+                    <p:sldTgt/>
+                  </p:tgtEl>
+                </p:cond>
+              </p:prevCondLst>
+              <p:nextCondLst>
+                <p:cond evt="onNext" delay="0">
+                  <p:tgtEl>
+                    <p:sldTgt/>
+                  </p:tgtEl>
+                </p:cond>
+              </p:nextCondLst>
+            </p:seq>
+          </p:childTnLst>
+        </p:cTn>
+      </p:par>
+    </p:tnLst>
+    <p:bldLst>
+      <p:bldP spid="2" grpId="0"/>
+    </p:bldLst>
+  </p:timing>
 </p:sld>
 </file>
 
